--- a/LLM_FlowChart.pptx
+++ b/LLM_FlowChart.pptx
@@ -6,6 +6,7 @@
   </p:sldMasterIdLst>
   <p:sldIdLst>
     <p:sldId id="256" r:id="rId2"/>
+    <p:sldId id="257" r:id="rId3"/>
   </p:sldIdLst>
   <p:sldSz cx="12192000" cy="6858000"/>
   <p:notesSz cx="6858000" cy="9144000"/>
@@ -104,6 +105,11 @@
       </a:defRPr>
     </a:lvl9pPr>
   </p:defaultTextStyle>
+  <p:extLst>
+    <p:ext uri="{EFAFB233-063F-42B5-8137-9DF3F51BA10A}">
+      <p15:sldGuideLst xmlns:p15="http://schemas.microsoft.com/office/powerpoint/2012/main"/>
+    </p:ext>
+  </p:extLst>
 </p:presentation>
 </file>
 
@@ -483,7 +489,7 @@
           <a:p>
             <a:fld id="{26611E9F-D865-4658-A465-70BA3D0295B0}" type="datetimeFigureOut">
               <a:rPr lang="ko-KR" altLang="en-US" smtClean="0"/>
-              <a:t>2025-06-25</a:t>
+              <a:t>2025-06-30</a:t>
             </a:fld>
             <a:endParaRPr lang="ko-KR" altLang="en-US"/>
           </a:p>
@@ -681,7 +687,7 @@
           <a:p>
             <a:fld id="{26611E9F-D865-4658-A465-70BA3D0295B0}" type="datetimeFigureOut">
               <a:rPr lang="ko-KR" altLang="en-US" smtClean="0"/>
-              <a:t>2025-06-25</a:t>
+              <a:t>2025-06-30</a:t>
             </a:fld>
             <a:endParaRPr lang="ko-KR" altLang="en-US"/>
           </a:p>
@@ -889,7 +895,7 @@
           <a:p>
             <a:fld id="{26611E9F-D865-4658-A465-70BA3D0295B0}" type="datetimeFigureOut">
               <a:rPr lang="ko-KR" altLang="en-US" smtClean="0"/>
-              <a:t>2025-06-25</a:t>
+              <a:t>2025-06-30</a:t>
             </a:fld>
             <a:endParaRPr lang="ko-KR" altLang="en-US"/>
           </a:p>
@@ -1087,7 +1093,7 @@
           <a:p>
             <a:fld id="{26611E9F-D865-4658-A465-70BA3D0295B0}" type="datetimeFigureOut">
               <a:rPr lang="ko-KR" altLang="en-US" smtClean="0"/>
-              <a:t>2025-06-25</a:t>
+              <a:t>2025-06-30</a:t>
             </a:fld>
             <a:endParaRPr lang="ko-KR" altLang="en-US"/>
           </a:p>
@@ -1362,7 +1368,7 @@
           <a:p>
             <a:fld id="{26611E9F-D865-4658-A465-70BA3D0295B0}" type="datetimeFigureOut">
               <a:rPr lang="ko-KR" altLang="en-US" smtClean="0"/>
-              <a:t>2025-06-25</a:t>
+              <a:t>2025-06-30</a:t>
             </a:fld>
             <a:endParaRPr lang="ko-KR" altLang="en-US"/>
           </a:p>
@@ -1627,7 +1633,7 @@
           <a:p>
             <a:fld id="{26611E9F-D865-4658-A465-70BA3D0295B0}" type="datetimeFigureOut">
               <a:rPr lang="ko-KR" altLang="en-US" smtClean="0"/>
-              <a:t>2025-06-25</a:t>
+              <a:t>2025-06-30</a:t>
             </a:fld>
             <a:endParaRPr lang="ko-KR" altLang="en-US"/>
           </a:p>
@@ -2039,7 +2045,7 @@
           <a:p>
             <a:fld id="{26611E9F-D865-4658-A465-70BA3D0295B0}" type="datetimeFigureOut">
               <a:rPr lang="ko-KR" altLang="en-US" smtClean="0"/>
-              <a:t>2025-06-25</a:t>
+              <a:t>2025-06-30</a:t>
             </a:fld>
             <a:endParaRPr lang="ko-KR" altLang="en-US"/>
           </a:p>
@@ -2180,7 +2186,7 @@
           <a:p>
             <a:fld id="{26611E9F-D865-4658-A465-70BA3D0295B0}" type="datetimeFigureOut">
               <a:rPr lang="ko-KR" altLang="en-US" smtClean="0"/>
-              <a:t>2025-06-25</a:t>
+              <a:t>2025-06-30</a:t>
             </a:fld>
             <a:endParaRPr lang="ko-KR" altLang="en-US"/>
           </a:p>
@@ -2293,7 +2299,7 @@
           <a:p>
             <a:fld id="{26611E9F-D865-4658-A465-70BA3D0295B0}" type="datetimeFigureOut">
               <a:rPr lang="ko-KR" altLang="en-US" smtClean="0"/>
-              <a:t>2025-06-25</a:t>
+              <a:t>2025-06-30</a:t>
             </a:fld>
             <a:endParaRPr lang="ko-KR" altLang="en-US"/>
           </a:p>
@@ -2604,7 +2610,7 @@
           <a:p>
             <a:fld id="{26611E9F-D865-4658-A465-70BA3D0295B0}" type="datetimeFigureOut">
               <a:rPr lang="ko-KR" altLang="en-US" smtClean="0"/>
-              <a:t>2025-06-25</a:t>
+              <a:t>2025-06-30</a:t>
             </a:fld>
             <a:endParaRPr lang="ko-KR" altLang="en-US"/>
           </a:p>
@@ -2892,7 +2898,7 @@
           <a:p>
             <a:fld id="{26611E9F-D865-4658-A465-70BA3D0295B0}" type="datetimeFigureOut">
               <a:rPr lang="ko-KR" altLang="en-US" smtClean="0"/>
-              <a:t>2025-06-25</a:t>
+              <a:t>2025-06-30</a:t>
             </a:fld>
             <a:endParaRPr lang="ko-KR" altLang="en-US"/>
           </a:p>
@@ -3133,7 +3139,7 @@
           <a:p>
             <a:fld id="{26611E9F-D865-4658-A465-70BA3D0295B0}" type="datetimeFigureOut">
               <a:rPr lang="ko-KR" altLang="en-US" smtClean="0"/>
-              <a:t>2025-06-25</a:t>
+              <a:t>2025-06-30</a:t>
             </a:fld>
             <a:endParaRPr lang="ko-KR" altLang="en-US"/>
           </a:p>
@@ -4585,10 +4591,461 @@
           </a:p>
         </p:txBody>
       </p:sp>
+      <p:sp>
+        <p:nvSpPr>
+          <p:cNvPr id="3" name="사각형: 둥근 모서리 2">
+            <a:extLst>
+              <a:ext uri="{FF2B5EF4-FFF2-40B4-BE49-F238E27FC236}">
+                <a16:creationId xmlns:a16="http://schemas.microsoft.com/office/drawing/2014/main" id="{45BA15A2-0181-F6DD-E8DD-C234F999DD07}"/>
+              </a:ext>
+            </a:extLst>
+          </p:cNvPr>
+          <p:cNvSpPr/>
+          <p:nvPr/>
+        </p:nvSpPr>
+        <p:spPr>
+          <a:xfrm>
+            <a:off x="4889499" y="647007"/>
+            <a:ext cx="1738744" cy="738909"/>
+          </a:xfrm>
+          <a:prstGeom prst="roundRect">
+            <a:avLst>
+              <a:gd name="adj" fmla="val 6667"/>
+            </a:avLst>
+          </a:prstGeom>
+        </p:spPr>
+        <p:style>
+          <a:lnRef idx="2">
+            <a:schemeClr val="accent1">
+              <a:shade val="15000"/>
+            </a:schemeClr>
+          </a:lnRef>
+          <a:fillRef idx="1">
+            <a:schemeClr val="accent1"/>
+          </a:fillRef>
+          <a:effectRef idx="0">
+            <a:schemeClr val="accent1"/>
+          </a:effectRef>
+          <a:fontRef idx="minor">
+            <a:schemeClr val="lt1"/>
+          </a:fontRef>
+        </p:style>
+        <p:txBody>
+          <a:bodyPr rtlCol="0" anchor="ctr"/>
+          <a:lstStyle/>
+          <a:p>
+            <a:pPr algn="ctr"/>
+            <a:r>
+              <a:rPr lang="en-US" altLang="ko-KR" b="1" dirty="0"/>
+              <a:t>Location</a:t>
+            </a:r>
+            <a:r>
+              <a:rPr lang="ko-KR" altLang="en-US" b="1" dirty="0"/>
+              <a:t> </a:t>
+            </a:r>
+            <a:r>
+              <a:rPr lang="en-US" altLang="ko-KR" b="1" dirty="0"/>
+              <a:t>Assist Agent</a:t>
+            </a:r>
+          </a:p>
+        </p:txBody>
+      </p:sp>
+      <p:cxnSp>
+        <p:nvCxnSpPr>
+          <p:cNvPr id="14" name="직선 화살표 연결선 13">
+            <a:extLst>
+              <a:ext uri="{FF2B5EF4-FFF2-40B4-BE49-F238E27FC236}">
+                <a16:creationId xmlns:a16="http://schemas.microsoft.com/office/drawing/2014/main" id="{59F36F86-00C1-98F3-44A2-3D26EF7E4C48}"/>
+              </a:ext>
+            </a:extLst>
+          </p:cNvPr>
+          <p:cNvCxnSpPr>
+            <a:cxnSpLocks/>
+            <a:stCxn id="3" idx="2"/>
+            <a:endCxn id="6" idx="0"/>
+          </p:cNvCxnSpPr>
+          <p:nvPr/>
+        </p:nvCxnSpPr>
+        <p:spPr>
+          <a:xfrm>
+            <a:off x="5758871" y="1385916"/>
+            <a:ext cx="4619" cy="378229"/>
+          </a:xfrm>
+          <a:prstGeom prst="straightConnector1">
+            <a:avLst/>
+          </a:prstGeom>
+          <a:ln w="28575">
+            <a:tailEnd type="triangle"/>
+          </a:ln>
+        </p:spPr>
+        <p:style>
+          <a:lnRef idx="2">
+            <a:schemeClr val="dk1"/>
+          </a:lnRef>
+          <a:fillRef idx="0">
+            <a:schemeClr val="dk1"/>
+          </a:fillRef>
+          <a:effectRef idx="1">
+            <a:schemeClr val="dk1"/>
+          </a:effectRef>
+          <a:fontRef idx="minor">
+            <a:schemeClr val="tx1"/>
+          </a:fontRef>
+        </p:style>
+      </p:cxnSp>
     </p:spTree>
     <p:extLst>
       <p:ext uri="{BB962C8B-B14F-4D97-AF65-F5344CB8AC3E}">
         <p14:creationId xmlns:p14="http://schemas.microsoft.com/office/powerpoint/2010/main" val="744483026"/>
+      </p:ext>
+    </p:extLst>
+  </p:cSld>
+  <p:clrMapOvr>
+    <a:masterClrMapping/>
+  </p:clrMapOvr>
+</p:sld>
+</file>
+
+<file path=ppt/slides/slide2.xml><?xml version="1.0" encoding="utf-8"?>
+<p:sld xmlns:a="http://schemas.openxmlformats.org/drawingml/2006/main" xmlns:r="http://schemas.openxmlformats.org/officeDocument/2006/relationships" xmlns:p="http://schemas.openxmlformats.org/presentationml/2006/main">
+  <p:cSld>
+    <p:spTree>
+      <p:nvGrpSpPr>
+        <p:cNvPr id="1" name=""/>
+        <p:cNvGrpSpPr/>
+        <p:nvPr/>
+      </p:nvGrpSpPr>
+      <p:grpSpPr>
+        <a:xfrm>
+          <a:off x="0" y="0"/>
+          <a:ext cx="0" cy="0"/>
+          <a:chOff x="0" y="0"/>
+          <a:chExt cx="0" cy="0"/>
+        </a:xfrm>
+      </p:grpSpPr>
+      <p:sp>
+        <p:nvSpPr>
+          <p:cNvPr id="4" name="사각형: 둥근 모서리 3">
+            <a:extLst>
+              <a:ext uri="{FF2B5EF4-FFF2-40B4-BE49-F238E27FC236}">
+                <a16:creationId xmlns:a16="http://schemas.microsoft.com/office/drawing/2014/main" id="{B24DE578-316E-27CA-0A96-811DFA6EAD36}"/>
+              </a:ext>
+            </a:extLst>
+          </p:cNvPr>
+          <p:cNvSpPr/>
+          <p:nvPr/>
+        </p:nvSpPr>
+        <p:spPr>
+          <a:xfrm>
+            <a:off x="3747652" y="239683"/>
+            <a:ext cx="7890165" cy="5939444"/>
+          </a:xfrm>
+          <a:prstGeom prst="roundRect">
+            <a:avLst>
+              <a:gd name="adj" fmla="val 6667"/>
+            </a:avLst>
+          </a:prstGeom>
+          <a:noFill/>
+          <a:ln>
+            <a:solidFill>
+              <a:schemeClr val="tx1"/>
+            </a:solidFill>
+          </a:ln>
+        </p:spPr>
+        <p:style>
+          <a:lnRef idx="2">
+            <a:schemeClr val="accent1">
+              <a:shade val="15000"/>
+            </a:schemeClr>
+          </a:lnRef>
+          <a:fillRef idx="1">
+            <a:schemeClr val="accent1"/>
+          </a:fillRef>
+          <a:effectRef idx="0">
+            <a:schemeClr val="accent1"/>
+          </a:effectRef>
+          <a:fontRef idx="minor">
+            <a:schemeClr val="lt1"/>
+          </a:fontRef>
+        </p:style>
+        <p:txBody>
+          <a:bodyPr rtlCol="0" anchor="t"/>
+          <a:lstStyle/>
+          <a:p>
+            <a:pPr algn="ctr"/>
+            <a:r>
+              <a:rPr lang="en-US" altLang="ko-KR" b="1" dirty="0">
+                <a:solidFill>
+                  <a:schemeClr val="tx1"/>
+                </a:solidFill>
+              </a:rPr>
+              <a:t>Preprocessing</a:t>
+            </a:r>
+          </a:p>
+        </p:txBody>
+      </p:sp>
+      <p:sp>
+        <p:nvSpPr>
+          <p:cNvPr id="5" name="사각형: 둥근 모서리 4">
+            <a:extLst>
+              <a:ext uri="{FF2B5EF4-FFF2-40B4-BE49-F238E27FC236}">
+                <a16:creationId xmlns:a16="http://schemas.microsoft.com/office/drawing/2014/main" id="{D7D249D3-75F6-0A30-5589-AFAAE61F3003}"/>
+              </a:ext>
+            </a:extLst>
+          </p:cNvPr>
+          <p:cNvSpPr/>
+          <p:nvPr/>
+        </p:nvSpPr>
+        <p:spPr>
+          <a:xfrm>
+            <a:off x="3985489" y="766619"/>
+            <a:ext cx="4003966" cy="304799"/>
+          </a:xfrm>
+          <a:prstGeom prst="roundRect">
+            <a:avLst>
+              <a:gd name="adj" fmla="val 6667"/>
+            </a:avLst>
+          </a:prstGeom>
+        </p:spPr>
+        <p:style>
+          <a:lnRef idx="2">
+            <a:schemeClr val="accent1">
+              <a:shade val="15000"/>
+            </a:schemeClr>
+          </a:lnRef>
+          <a:fillRef idx="1">
+            <a:schemeClr val="accent1"/>
+          </a:fillRef>
+          <a:effectRef idx="0">
+            <a:schemeClr val="accent1"/>
+          </a:effectRef>
+          <a:fontRef idx="minor">
+            <a:schemeClr val="lt1"/>
+          </a:fontRef>
+        </p:style>
+        <p:txBody>
+          <a:bodyPr rtlCol="0" anchor="ctr"/>
+          <a:lstStyle/>
+          <a:p>
+            <a:pPr algn="ctr"/>
+            <a:r>
+              <a:rPr lang="en-US" altLang="ko-KR" b="1" dirty="0"/>
+              <a:t>Embedding</a:t>
+            </a:r>
+          </a:p>
+        </p:txBody>
+      </p:sp>
+      <p:sp>
+        <p:nvSpPr>
+          <p:cNvPr id="6" name="사각형: 둥근 모서리 5">
+            <a:extLst>
+              <a:ext uri="{FF2B5EF4-FFF2-40B4-BE49-F238E27FC236}">
+                <a16:creationId xmlns:a16="http://schemas.microsoft.com/office/drawing/2014/main" id="{9F87B7C1-A784-46F4-F8A7-DEC930A6108D}"/>
+              </a:ext>
+            </a:extLst>
+          </p:cNvPr>
+          <p:cNvSpPr/>
+          <p:nvPr/>
+        </p:nvSpPr>
+        <p:spPr>
+          <a:xfrm>
+            <a:off x="256308" y="591129"/>
+            <a:ext cx="1570182" cy="738909"/>
+          </a:xfrm>
+          <a:prstGeom prst="roundRect">
+            <a:avLst>
+              <a:gd name="adj" fmla="val 6667"/>
+            </a:avLst>
+          </a:prstGeom>
+        </p:spPr>
+        <p:style>
+          <a:lnRef idx="2">
+            <a:schemeClr val="accent1">
+              <a:shade val="15000"/>
+            </a:schemeClr>
+          </a:lnRef>
+          <a:fillRef idx="1">
+            <a:schemeClr val="accent1"/>
+          </a:fillRef>
+          <a:effectRef idx="0">
+            <a:schemeClr val="accent1"/>
+          </a:effectRef>
+          <a:fontRef idx="minor">
+            <a:schemeClr val="lt1"/>
+          </a:fontRef>
+        </p:style>
+        <p:txBody>
+          <a:bodyPr rtlCol="0" anchor="ctr"/>
+          <a:lstStyle/>
+          <a:p>
+            <a:pPr algn="ctr"/>
+            <a:r>
+              <a:rPr lang="en-US" altLang="ko-KR" b="1" dirty="0"/>
+              <a:t>DB</a:t>
+            </a:r>
+          </a:p>
+        </p:txBody>
+      </p:sp>
+      <p:sp>
+        <p:nvSpPr>
+          <p:cNvPr id="7" name="사각형: 둥근 모서리 6">
+            <a:extLst>
+              <a:ext uri="{FF2B5EF4-FFF2-40B4-BE49-F238E27FC236}">
+                <a16:creationId xmlns:a16="http://schemas.microsoft.com/office/drawing/2014/main" id="{647E94CF-759C-461A-8AA5-C172DD7211D8}"/>
+              </a:ext>
+            </a:extLst>
+          </p:cNvPr>
+          <p:cNvSpPr/>
+          <p:nvPr/>
+        </p:nvSpPr>
+        <p:spPr>
+          <a:xfrm>
+            <a:off x="9832107" y="766619"/>
+            <a:ext cx="1570182" cy="304799"/>
+          </a:xfrm>
+          <a:prstGeom prst="roundRect">
+            <a:avLst>
+              <a:gd name="adj" fmla="val 6667"/>
+            </a:avLst>
+          </a:prstGeom>
+        </p:spPr>
+        <p:style>
+          <a:lnRef idx="2">
+            <a:schemeClr val="accent1">
+              <a:shade val="15000"/>
+            </a:schemeClr>
+          </a:lnRef>
+          <a:fillRef idx="1">
+            <a:schemeClr val="accent1"/>
+          </a:fillRef>
+          <a:effectRef idx="0">
+            <a:schemeClr val="accent1"/>
+          </a:effectRef>
+          <a:fontRef idx="minor">
+            <a:schemeClr val="lt1"/>
+          </a:fontRef>
+        </p:style>
+        <p:txBody>
+          <a:bodyPr rtlCol="0" anchor="ctr"/>
+          <a:lstStyle/>
+          <a:p>
+            <a:pPr algn="ctr"/>
+            <a:r>
+              <a:rPr lang="en-US" altLang="ko-KR" b="1" dirty="0"/>
+              <a:t>Clustering</a:t>
+            </a:r>
+          </a:p>
+        </p:txBody>
+      </p:sp>
+      <p:sp>
+        <p:nvSpPr>
+          <p:cNvPr id="9" name="TextBox 8">
+            <a:extLst>
+              <a:ext uri="{FF2B5EF4-FFF2-40B4-BE49-F238E27FC236}">
+                <a16:creationId xmlns:a16="http://schemas.microsoft.com/office/drawing/2014/main" id="{257C84C6-1480-6DCA-69C2-58BC88F54B13}"/>
+              </a:ext>
+            </a:extLst>
+          </p:cNvPr>
+          <p:cNvSpPr txBox="1"/>
+          <p:nvPr/>
+        </p:nvSpPr>
+        <p:spPr>
+          <a:xfrm>
+            <a:off x="256308" y="332602"/>
+            <a:ext cx="1570182" cy="276999"/>
+          </a:xfrm>
+          <a:prstGeom prst="rect">
+            <a:avLst/>
+          </a:prstGeom>
+          <a:noFill/>
+        </p:spPr>
+        <p:txBody>
+          <a:bodyPr wrap="square" rtlCol="0">
+            <a:spAutoFit/>
+          </a:bodyPr>
+          <a:lstStyle/>
+          <a:p>
+            <a:pPr algn="ctr"/>
+            <a:r>
+              <a:rPr lang="ko-KR" altLang="en-US" sz="1200" b="1" dirty="0"/>
+              <a:t>서울시 공구 대여소</a:t>
+            </a:r>
+          </a:p>
+        </p:txBody>
+      </p:sp>
+      <p:sp>
+        <p:nvSpPr>
+          <p:cNvPr id="11" name="TextBox 10">
+            <a:extLst>
+              <a:ext uri="{FF2B5EF4-FFF2-40B4-BE49-F238E27FC236}">
+                <a16:creationId xmlns:a16="http://schemas.microsoft.com/office/drawing/2014/main" id="{197FF790-E495-3E8D-45C6-650100E8EFE8}"/>
+              </a:ext>
+            </a:extLst>
+          </p:cNvPr>
+          <p:cNvSpPr txBox="1"/>
+          <p:nvPr/>
+        </p:nvSpPr>
+        <p:spPr>
+          <a:xfrm>
+            <a:off x="3985489" y="1219200"/>
+            <a:ext cx="4003966" cy="1200329"/>
+          </a:xfrm>
+          <a:prstGeom prst="rect">
+            <a:avLst/>
+          </a:prstGeom>
+          <a:noFill/>
+        </p:spPr>
+        <p:txBody>
+          <a:bodyPr wrap="square" rtlCol="0">
+            <a:spAutoFit/>
+          </a:bodyPr>
+          <a:lstStyle/>
+          <a:p>
+            <a:r>
+              <a:rPr lang="ko-KR" altLang="en-US" dirty="0"/>
+              <a:t>공구 중분류</a:t>
+            </a:r>
+            <a:endParaRPr lang="en-US" altLang="ko-KR" dirty="0"/>
+          </a:p>
+          <a:p>
+            <a:pPr marL="285750" indent="-285750">
+              <a:buFontTx/>
+              <a:buChar char="-"/>
+            </a:pPr>
+            <a:r>
+              <a:rPr lang="ko-KR" altLang="en-US" dirty="0"/>
+              <a:t>분류 항목 및 기타 중분류</a:t>
+            </a:r>
+            <a:r>
+              <a:rPr lang="en-US" altLang="ko-KR" dirty="0"/>
+              <a:t> </a:t>
+            </a:r>
+            <a:r>
+              <a:rPr lang="ko-KR" altLang="en-US" dirty="0"/>
+              <a:t>항목 </a:t>
+            </a:r>
+            <a:br>
+              <a:rPr lang="en-US" altLang="ko-KR" dirty="0"/>
+            </a:br>
+            <a:r>
+              <a:rPr lang="ko-KR" altLang="en-US" dirty="0"/>
+              <a:t>분기하여 검색</a:t>
+            </a:r>
+            <a:endParaRPr lang="en-US" altLang="ko-KR" dirty="0"/>
+          </a:p>
+          <a:p>
+            <a:pPr marL="285750" indent="-285750">
+              <a:buFontTx/>
+              <a:buChar char="-"/>
+            </a:pPr>
+            <a:endParaRPr lang="ko-KR" altLang="en-US" dirty="0"/>
+          </a:p>
+        </p:txBody>
+      </p:sp>
+    </p:spTree>
+    <p:extLst>
+      <p:ext uri="{BB962C8B-B14F-4D97-AF65-F5344CB8AC3E}">
+        <p14:creationId xmlns:p14="http://schemas.microsoft.com/office/powerpoint/2010/main" val="926946937"/>
       </p:ext>
     </p:extLst>
   </p:cSld>
